--- a/Presentation.pptx
+++ b/Presentation.pptx
@@ -7,6 +7,12 @@
   <p:sldIdLst>
     <p:sldId id="256" r:id="rId2"/>
     <p:sldId id="257" r:id="rId3"/>
+    <p:sldId id="259" r:id="rId4"/>
+    <p:sldId id="258" r:id="rId5"/>
+    <p:sldId id="262" r:id="rId6"/>
+    <p:sldId id="264" r:id="rId7"/>
+    <p:sldId id="263" r:id="rId8"/>
+    <p:sldId id="260" r:id="rId9"/>
   </p:sldIdLst>
   <p:sldSz cx="12192000" cy="6858000"/>
   <p:notesSz cx="6858000" cy="9144000"/>
@@ -105,6 +111,11 @@
       </a:defRPr>
     </a:lvl9pPr>
   </p:defaultTextStyle>
+  <p:extLst>
+    <p:ext uri="{EFAFB233-063F-42B5-8137-9DF3F51BA10A}">
+      <p15:sldGuideLst xmlns:p15="http://schemas.microsoft.com/office/powerpoint/2012/main"/>
+    </p:ext>
+  </p:extLst>
 </p:presentation>
 </file>
 
@@ -255,7 +266,7 @@
           <a:p>
             <a:fld id="{47E736D7-C6D4-D644-983E-83868CE6E95C}" type="datetimeFigureOut">
               <a:rPr lang="en-US" smtClean="0"/>
-              <a:t>11/6/18</a:t>
+              <a:t>11/7/18</a:t>
             </a:fld>
             <a:endParaRPr lang="en-US"/>
           </a:p>
@@ -453,7 +464,7 @@
           <a:p>
             <a:fld id="{47E736D7-C6D4-D644-983E-83868CE6E95C}" type="datetimeFigureOut">
               <a:rPr lang="en-US" smtClean="0"/>
-              <a:t>11/6/18</a:t>
+              <a:t>11/7/18</a:t>
             </a:fld>
             <a:endParaRPr lang="en-US"/>
           </a:p>
@@ -661,7 +672,7 @@
           <a:p>
             <a:fld id="{47E736D7-C6D4-D644-983E-83868CE6E95C}" type="datetimeFigureOut">
               <a:rPr lang="en-US" smtClean="0"/>
-              <a:t>11/6/18</a:t>
+              <a:t>11/7/18</a:t>
             </a:fld>
             <a:endParaRPr lang="en-US"/>
           </a:p>
@@ -767,13 +778,18 @@
             <p:ph type="title"/>
           </p:nvPr>
         </p:nvSpPr>
-        <p:spPr/>
-        <p:txBody>
-          <a:bodyPr/>
-          <a:lstStyle/>
-          <a:p>
-            <a:r>
-              <a:rPr lang="en-US"/>
+        <p:spPr>
+          <a:xfrm>
+            <a:off x="581024" y="1"/>
+            <a:ext cx="10977563" cy="1162054"/>
+          </a:xfrm>
+        </p:spPr>
+        <p:txBody>
+          <a:bodyPr/>
+          <a:lstStyle/>
+          <a:p>
+            <a:r>
+              <a:rPr lang="en-US" dirty="0"/>
               <a:t>Click to edit Master title style</a:t>
             </a:r>
           </a:p>
@@ -859,7 +875,7 @@
           <a:p>
             <a:fld id="{47E736D7-C6D4-D644-983E-83868CE6E95C}" type="datetimeFigureOut">
               <a:rPr lang="en-US" smtClean="0"/>
-              <a:t>11/6/18</a:t>
+              <a:t>11/7/18</a:t>
             </a:fld>
             <a:endParaRPr lang="en-US"/>
           </a:p>
@@ -919,6 +935,51 @@
           </a:p>
         </p:txBody>
       </p:sp>
+      <p:cxnSp>
+        <p:nvCxnSpPr>
+          <p:cNvPr id="7" name="Straight Connector 6">
+            <a:extLst>
+              <a:ext uri="{FF2B5EF4-FFF2-40B4-BE49-F238E27FC236}">
+                <a16:creationId xmlns:a16="http://schemas.microsoft.com/office/drawing/2014/main" id="{59A903CF-CD55-FD4B-9F66-D36A5B80B5AE}"/>
+              </a:ext>
+            </a:extLst>
+          </p:cNvPr>
+          <p:cNvCxnSpPr>
+            <a:cxnSpLocks/>
+          </p:cNvCxnSpPr>
+          <p:nvPr userDrawn="1"/>
+        </p:nvCxnSpPr>
+        <p:spPr>
+          <a:xfrm>
+            <a:off x="0" y="1162054"/>
+            <a:ext cx="12192000" cy="0"/>
+          </a:xfrm>
+          <a:prstGeom prst="line">
+            <a:avLst/>
+          </a:prstGeom>
+          <a:ln>
+            <a:solidFill>
+              <a:schemeClr val="accent1">
+                <a:lumMod val="75000"/>
+              </a:schemeClr>
+            </a:solidFill>
+          </a:ln>
+        </p:spPr>
+        <p:style>
+          <a:lnRef idx="1">
+            <a:schemeClr val="accent1"/>
+          </a:lnRef>
+          <a:fillRef idx="0">
+            <a:schemeClr val="accent1"/>
+          </a:fillRef>
+          <a:effectRef idx="0">
+            <a:schemeClr val="accent1"/>
+          </a:effectRef>
+          <a:fontRef idx="minor">
+            <a:schemeClr val="tx1"/>
+          </a:fontRef>
+        </p:style>
+      </p:cxnSp>
     </p:spTree>
     <p:extLst>
       <p:ext uri="{BB962C8B-B14F-4D97-AF65-F5344CB8AC3E}">
@@ -1134,7 +1195,7 @@
           <a:p>
             <a:fld id="{47E736D7-C6D4-D644-983E-83868CE6E95C}" type="datetimeFigureOut">
               <a:rPr lang="en-US" smtClean="0"/>
-              <a:t>11/6/18</a:t>
+              <a:t>11/7/18</a:t>
             </a:fld>
             <a:endParaRPr lang="en-US"/>
           </a:p>
@@ -1399,7 +1460,7 @@
           <a:p>
             <a:fld id="{47E736D7-C6D4-D644-983E-83868CE6E95C}" type="datetimeFigureOut">
               <a:rPr lang="en-US" smtClean="0"/>
-              <a:t>11/6/18</a:t>
+              <a:t>11/7/18</a:t>
             </a:fld>
             <a:endParaRPr lang="en-US"/>
           </a:p>
@@ -1811,7 +1872,7 @@
           <a:p>
             <a:fld id="{47E736D7-C6D4-D644-983E-83868CE6E95C}" type="datetimeFigureOut">
               <a:rPr lang="en-US" smtClean="0"/>
-              <a:t>11/6/18</a:t>
+              <a:t>11/7/18</a:t>
             </a:fld>
             <a:endParaRPr lang="en-US"/>
           </a:p>
@@ -1952,7 +2013,7 @@
           <a:p>
             <a:fld id="{47E736D7-C6D4-D644-983E-83868CE6E95C}" type="datetimeFigureOut">
               <a:rPr lang="en-US" smtClean="0"/>
-              <a:t>11/6/18</a:t>
+              <a:t>11/7/18</a:t>
             </a:fld>
             <a:endParaRPr lang="en-US"/>
           </a:p>
@@ -2065,7 +2126,7 @@
           <a:p>
             <a:fld id="{47E736D7-C6D4-D644-983E-83868CE6E95C}" type="datetimeFigureOut">
               <a:rPr lang="en-US" smtClean="0"/>
-              <a:t>11/6/18</a:t>
+              <a:t>11/7/18</a:t>
             </a:fld>
             <a:endParaRPr lang="en-US"/>
           </a:p>
@@ -2376,7 +2437,7 @@
           <a:p>
             <a:fld id="{47E736D7-C6D4-D644-983E-83868CE6E95C}" type="datetimeFigureOut">
               <a:rPr lang="en-US" smtClean="0"/>
-              <a:t>11/6/18</a:t>
+              <a:t>11/7/18</a:t>
             </a:fld>
             <a:endParaRPr lang="en-US"/>
           </a:p>
@@ -2664,7 +2725,7 @@
           <a:p>
             <a:fld id="{47E736D7-C6D4-D644-983E-83868CE6E95C}" type="datetimeFigureOut">
               <a:rPr lang="en-US" smtClean="0"/>
-              <a:t>11/6/18</a:t>
+              <a:t>11/7/18</a:t>
             </a:fld>
             <a:endParaRPr lang="en-US"/>
           </a:p>
@@ -2777,8 +2838,8 @@
         </p:nvSpPr>
         <p:spPr>
           <a:xfrm>
-            <a:off x="838200" y="365125"/>
-            <a:ext cx="10515600" cy="1325563"/>
+            <a:off x="609600" y="1"/>
+            <a:ext cx="11106150" cy="1162054"/>
           </a:xfrm>
           <a:prstGeom prst="rect">
             <a:avLst/>
@@ -2791,7 +2852,7 @@
           <a:lstStyle/>
           <a:p>
             <a:r>
-              <a:rPr lang="en-US"/>
+              <a:rPr lang="en-US" dirty="0"/>
               <a:t>Click to edit Master title style</a:t>
             </a:r>
           </a:p>
@@ -2905,7 +2966,7 @@
           <a:p>
             <a:fld id="{47E736D7-C6D4-D644-983E-83868CE6E95C}" type="datetimeFigureOut">
               <a:rPr lang="en-US" smtClean="0"/>
-              <a:t>11/6/18</a:t>
+              <a:t>11/7/18</a:t>
             </a:fld>
             <a:endParaRPr lang="en-US"/>
           </a:p>
@@ -3001,6 +3062,51 @@
           </a:p>
         </p:txBody>
       </p:sp>
+      <p:cxnSp>
+        <p:nvCxnSpPr>
+          <p:cNvPr id="7" name="Straight Connector 6">
+            <a:extLst>
+              <a:ext uri="{FF2B5EF4-FFF2-40B4-BE49-F238E27FC236}">
+                <a16:creationId xmlns:a16="http://schemas.microsoft.com/office/drawing/2014/main" id="{9E167CCB-6487-664C-91A2-5E65C186F161}"/>
+              </a:ext>
+            </a:extLst>
+          </p:cNvPr>
+          <p:cNvCxnSpPr>
+            <a:cxnSpLocks/>
+          </p:cNvCxnSpPr>
+          <p:nvPr userDrawn="1"/>
+        </p:nvCxnSpPr>
+        <p:spPr>
+          <a:xfrm>
+            <a:off x="0" y="1162054"/>
+            <a:ext cx="12192000" cy="0"/>
+          </a:xfrm>
+          <a:prstGeom prst="line">
+            <a:avLst/>
+          </a:prstGeom>
+          <a:ln>
+            <a:solidFill>
+              <a:schemeClr val="accent1">
+                <a:lumMod val="75000"/>
+              </a:schemeClr>
+            </a:solidFill>
+          </a:ln>
+        </p:spPr>
+        <p:style>
+          <a:lnRef idx="1">
+            <a:schemeClr val="accent1"/>
+          </a:lnRef>
+          <a:fillRef idx="0">
+            <a:schemeClr val="accent1"/>
+          </a:fillRef>
+          <a:effectRef idx="0">
+            <a:schemeClr val="accent1"/>
+          </a:effectRef>
+          <a:fontRef idx="minor">
+            <a:schemeClr val="tx1"/>
+          </a:fontRef>
+        </p:style>
+      </p:cxnSp>
     </p:spTree>
     <p:extLst>
       <p:ext uri="{BB962C8B-B14F-4D97-AF65-F5344CB8AC3E}">
@@ -3032,11 +3138,11 @@
           <a:spcPct val="0"/>
         </a:spcBef>
         <a:buNone/>
-        <a:defRPr sz="4400" kern="1200">
+        <a:defRPr sz="3200" kern="1200">
           <a:solidFill>
             <a:schemeClr val="tx1"/>
           </a:solidFill>
-          <a:latin typeface="+mj-lt"/>
+          <a:latin typeface="Century Gothic" panose="020B0502020202020204" pitchFamily="34" charset="0"/>
           <a:ea typeface="+mj-ea"/>
           <a:cs typeface="+mj-cs"/>
         </a:defRPr>
@@ -3056,7 +3162,7 @@
           <a:solidFill>
             <a:schemeClr val="tx1"/>
           </a:solidFill>
-          <a:latin typeface="+mn-lt"/>
+          <a:latin typeface="Century Gothic" panose="020B0502020202020204" pitchFamily="34" charset="0"/>
           <a:ea typeface="+mn-ea"/>
           <a:cs typeface="+mn-cs"/>
         </a:defRPr>
@@ -3074,7 +3180,7 @@
           <a:solidFill>
             <a:schemeClr val="tx1"/>
           </a:solidFill>
-          <a:latin typeface="+mn-lt"/>
+          <a:latin typeface="Century Gothic" panose="020B0502020202020204" pitchFamily="34" charset="0"/>
           <a:ea typeface="+mn-ea"/>
           <a:cs typeface="+mn-cs"/>
         </a:defRPr>
@@ -3092,7 +3198,7 @@
           <a:solidFill>
             <a:schemeClr val="tx1"/>
           </a:solidFill>
-          <a:latin typeface="+mn-lt"/>
+          <a:latin typeface="Century Gothic" panose="020B0502020202020204" pitchFamily="34" charset="0"/>
           <a:ea typeface="+mn-ea"/>
           <a:cs typeface="+mn-cs"/>
         </a:defRPr>
@@ -3110,7 +3216,7 @@
           <a:solidFill>
             <a:schemeClr val="tx1"/>
           </a:solidFill>
-          <a:latin typeface="+mn-lt"/>
+          <a:latin typeface="Century Gothic" panose="020B0502020202020204" pitchFamily="34" charset="0"/>
           <a:ea typeface="+mn-ea"/>
           <a:cs typeface="+mn-cs"/>
         </a:defRPr>
@@ -3128,7 +3234,7 @@
           <a:solidFill>
             <a:schemeClr val="tx1"/>
           </a:solidFill>
-          <a:latin typeface="+mn-lt"/>
+          <a:latin typeface="Century Gothic" panose="020B0502020202020204" pitchFamily="34" charset="0"/>
           <a:ea typeface="+mn-ea"/>
           <a:cs typeface="+mn-cs"/>
         </a:defRPr>
@@ -3448,7 +3554,9 @@
         </p:nvSpPr>
         <p:spPr/>
         <p:txBody>
-          <a:bodyPr/>
+          <a:bodyPr>
+            <a:normAutofit fontScale="92500" lnSpcReduction="10000"/>
+          </a:bodyPr>
           <a:lstStyle/>
           <a:p>
             <a:r>
@@ -3474,19 +3582,7 @@
             <a:pPr lvl="1"/>
             <a:r>
               <a:rPr lang="en-US" dirty="0"/>
-              <a:t>Regional </a:t>
-            </a:r>
-            <a:r>
-              <a:rPr lang="en-US" dirty="0" err="1"/>
-              <a:t>Anova</a:t>
-            </a:r>
-            <a:endParaRPr lang="en-US" dirty="0"/>
-          </a:p>
-          <a:p>
-            <a:pPr lvl="1"/>
-            <a:r>
-              <a:rPr lang="en-US" dirty="0"/>
-              <a:t>Regional heat map</a:t>
+              <a:t>Regional ANOVA</a:t>
             </a:r>
           </a:p>
           <a:p>
@@ -3502,7 +3598,7 @@
             </a:pPr>
             <a:r>
               <a:rPr lang="en-US" dirty="0"/>
-              <a:t>Line charts between inputs and Y’s</a:t>
+              <a:t>Line charts between inputs, X’s and Y’s</a:t>
             </a:r>
           </a:p>
           <a:p>
@@ -3512,7 +3608,7 @@
             </a:pPr>
             <a:r>
               <a:rPr lang="en-US" dirty="0"/>
-              <a:t>Scatter?</a:t>
+              <a:t>Scatterplot (if it makes sense)</a:t>
             </a:r>
           </a:p>
           <a:p>
@@ -3522,13 +3618,35 @@
             </a:pPr>
             <a:r>
               <a:rPr lang="en-US" dirty="0"/>
-              <a:t>Regression analysis on inputs</a:t>
+              <a:t>Regression analysis </a:t>
+            </a:r>
+            <a:r>
+              <a:rPr lang="en-US"/>
+              <a:t>on inputs to Y’s</a:t>
+            </a:r>
+            <a:endParaRPr lang="en-US" dirty="0"/>
+          </a:p>
+          <a:p>
+            <a:pPr marL="914400" lvl="1" indent="-457200">
+              <a:buFont typeface="+mj-lt"/>
+              <a:buAutoNum type="arabicPeriod"/>
+            </a:pPr>
+            <a:r>
+              <a:rPr lang="en-US" dirty="0"/>
+              <a:t>Pandas change year a year over year, and subtracting the mean</a:t>
             </a:r>
           </a:p>
           <a:p>
             <a:r>
               <a:rPr lang="en-US" dirty="0"/>
               <a:t>Overall messages</a:t>
+            </a:r>
+          </a:p>
+          <a:p>
+            <a:pPr lvl="1"/>
+            <a:r>
+              <a:rPr lang="en-US" dirty="0"/>
+              <a:t>Housing prices changes as dependent variable; change over time comparison with inputs and do regression</a:t>
             </a:r>
           </a:p>
           <a:p>
@@ -3547,6 +3665,1402 @@
     <p:extLst>
       <p:ext uri="{BB962C8B-B14F-4D97-AF65-F5344CB8AC3E}">
         <p14:creationId xmlns:p14="http://schemas.microsoft.com/office/powerpoint/2010/main" val="2389792739"/>
+      </p:ext>
+    </p:extLst>
+  </p:cSld>
+  <p:clrMapOvr>
+    <a:masterClrMapping/>
+  </p:clrMapOvr>
+</p:sld>
+</file>
+
+<file path=ppt/slides/slide3.xml><?xml version="1.0" encoding="utf-8"?>
+<p:sld xmlns:a="http://schemas.openxmlformats.org/drawingml/2006/main" xmlns:r="http://schemas.openxmlformats.org/officeDocument/2006/relationships" xmlns:p="http://schemas.openxmlformats.org/presentationml/2006/main">
+  <p:cSld>
+    <p:spTree>
+      <p:nvGrpSpPr>
+        <p:cNvPr id="1" name=""/>
+        <p:cNvGrpSpPr/>
+        <p:nvPr/>
+      </p:nvGrpSpPr>
+      <p:grpSpPr>
+        <a:xfrm>
+          <a:off x="0" y="0"/>
+          <a:ext cx="0" cy="0"/>
+          <a:chOff x="0" y="0"/>
+          <a:chExt cx="0" cy="0"/>
+        </a:xfrm>
+      </p:grpSpPr>
+      <p:sp>
+        <p:nvSpPr>
+          <p:cNvPr id="3" name="Content Placeholder 2">
+            <a:extLst>
+              <a:ext uri="{FF2B5EF4-FFF2-40B4-BE49-F238E27FC236}">
+                <a16:creationId xmlns:a16="http://schemas.microsoft.com/office/drawing/2014/main" id="{0C476E9C-FAF6-7B47-B61E-95E6F3C6F7D7}"/>
+              </a:ext>
+            </a:extLst>
+          </p:cNvPr>
+          <p:cNvSpPr>
+            <a:spLocks noGrp="1"/>
+          </p:cNvSpPr>
+          <p:nvPr>
+            <p:ph idx="1"/>
+          </p:nvPr>
+        </p:nvSpPr>
+        <p:spPr/>
+        <p:txBody>
+          <a:bodyPr/>
+          <a:lstStyle/>
+          <a:p>
+            <a:r>
+              <a:rPr lang="en-US" dirty="0"/>
+              <a:t>Objective</a:t>
+            </a:r>
+          </a:p>
+          <a:p>
+            <a:r>
+              <a:rPr lang="en-US" dirty="0"/>
+              <a:t>Housing Prices Analysis</a:t>
+            </a:r>
+          </a:p>
+          <a:p>
+            <a:r>
+              <a:rPr lang="en-US" dirty="0"/>
+              <a:t>Evaluation of potential inputs</a:t>
+            </a:r>
+          </a:p>
+          <a:p>
+            <a:r>
+              <a:rPr lang="en-US" dirty="0"/>
+              <a:t>Overall Summary of Findings</a:t>
+            </a:r>
+          </a:p>
+        </p:txBody>
+      </p:sp>
+      <p:sp>
+        <p:nvSpPr>
+          <p:cNvPr id="7" name="Title 1">
+            <a:extLst>
+              <a:ext uri="{FF2B5EF4-FFF2-40B4-BE49-F238E27FC236}">
+                <a16:creationId xmlns:a16="http://schemas.microsoft.com/office/drawing/2014/main" id="{A11015AB-E609-7248-B0BA-FB01597E0274}"/>
+              </a:ext>
+            </a:extLst>
+          </p:cNvPr>
+          <p:cNvSpPr>
+            <a:spLocks noGrp="1"/>
+          </p:cNvSpPr>
+          <p:nvPr>
+            <p:ph type="title"/>
+          </p:nvPr>
+        </p:nvSpPr>
+        <p:spPr>
+          <a:xfrm>
+            <a:off x="581024" y="1"/>
+            <a:ext cx="10977563" cy="1162054"/>
+          </a:xfrm>
+        </p:spPr>
+        <p:txBody>
+          <a:bodyPr>
+            <a:normAutofit/>
+          </a:bodyPr>
+          <a:lstStyle/>
+          <a:p>
+            <a:r>
+              <a:rPr lang="en-US" sz="3600" b="1" dirty="0">
+                <a:solidFill>
+                  <a:schemeClr val="accent1">
+                    <a:lumMod val="75000"/>
+                  </a:schemeClr>
+                </a:solidFill>
+              </a:rPr>
+              <a:t>Housing Prices</a:t>
+            </a:r>
+            <a:br>
+              <a:rPr lang="en-US" b="1" dirty="0">
+                <a:solidFill>
+                  <a:schemeClr val="accent1">
+                    <a:lumMod val="75000"/>
+                  </a:schemeClr>
+                </a:solidFill>
+              </a:rPr>
+            </a:br>
+            <a:r>
+              <a:rPr lang="en-US" sz="2800" dirty="0">
+                <a:solidFill>
+                  <a:schemeClr val="tx1">
+                    <a:lumMod val="85000"/>
+                    <a:lumOff val="15000"/>
+                  </a:schemeClr>
+                </a:solidFill>
+              </a:rPr>
+              <a:t>AGENDA</a:t>
+            </a:r>
+            <a:endParaRPr lang="en-US" dirty="0">
+              <a:solidFill>
+                <a:schemeClr val="tx1">
+                  <a:lumMod val="85000"/>
+                  <a:lumOff val="15000"/>
+                </a:schemeClr>
+              </a:solidFill>
+            </a:endParaRPr>
+          </a:p>
+        </p:txBody>
+      </p:sp>
+    </p:spTree>
+    <p:extLst>
+      <p:ext uri="{BB962C8B-B14F-4D97-AF65-F5344CB8AC3E}">
+        <p14:creationId xmlns:p14="http://schemas.microsoft.com/office/powerpoint/2010/main" val="1026644746"/>
+      </p:ext>
+    </p:extLst>
+  </p:cSld>
+  <p:clrMapOvr>
+    <a:masterClrMapping/>
+  </p:clrMapOvr>
+</p:sld>
+</file>
+
+<file path=ppt/slides/slide4.xml><?xml version="1.0" encoding="utf-8"?>
+<p:sld xmlns:a="http://schemas.openxmlformats.org/drawingml/2006/main" xmlns:r="http://schemas.openxmlformats.org/officeDocument/2006/relationships" xmlns:p="http://schemas.openxmlformats.org/presentationml/2006/main">
+  <p:cSld>
+    <p:spTree>
+      <p:nvGrpSpPr>
+        <p:cNvPr id="1" name=""/>
+        <p:cNvGrpSpPr/>
+        <p:nvPr/>
+      </p:nvGrpSpPr>
+      <p:grpSpPr>
+        <a:xfrm>
+          <a:off x="0" y="0"/>
+          <a:ext cx="0" cy="0"/>
+          <a:chOff x="0" y="0"/>
+          <a:chExt cx="0" cy="0"/>
+        </a:xfrm>
+      </p:grpSpPr>
+      <p:sp>
+        <p:nvSpPr>
+          <p:cNvPr id="3" name="Content Placeholder 2">
+            <a:extLst>
+              <a:ext uri="{FF2B5EF4-FFF2-40B4-BE49-F238E27FC236}">
+                <a16:creationId xmlns:a16="http://schemas.microsoft.com/office/drawing/2014/main" id="{ECD69B01-F58C-D64B-BD01-87D5C240CF51}"/>
+              </a:ext>
+            </a:extLst>
+          </p:cNvPr>
+          <p:cNvSpPr>
+            <a:spLocks noGrp="1"/>
+          </p:cNvSpPr>
+          <p:nvPr>
+            <p:ph idx="1"/>
+          </p:nvPr>
+        </p:nvSpPr>
+        <p:spPr>
+          <a:xfrm>
+            <a:off x="2786062" y="1482721"/>
+            <a:ext cx="8567737" cy="1603376"/>
+          </a:xfrm>
+        </p:spPr>
+        <p:txBody>
+          <a:bodyPr>
+            <a:normAutofit/>
+          </a:bodyPr>
+          <a:lstStyle/>
+          <a:p>
+            <a:pPr marL="514350" indent="-514350">
+              <a:buFont typeface="+mj-lt"/>
+              <a:buAutoNum type="arabicPeriod"/>
+            </a:pPr>
+            <a:r>
+              <a:rPr lang="en-US" sz="2400" dirty="0"/>
+              <a:t>Identify potential leading or lagging indicators of home prices in the United States</a:t>
+            </a:r>
+          </a:p>
+          <a:p>
+            <a:pPr marL="514350" indent="-514350">
+              <a:buFont typeface="+mj-lt"/>
+              <a:buAutoNum type="arabicPeriod"/>
+            </a:pPr>
+            <a:r>
+              <a:rPr lang="en-US" sz="2400" dirty="0"/>
+              <a:t>Quantify the significance of the correlation between the input, X, and the housing prices, Y</a:t>
+            </a:r>
+          </a:p>
+          <a:p>
+            <a:pPr marL="514350" indent="-514350">
+              <a:buFont typeface="+mj-lt"/>
+              <a:buAutoNum type="arabicPeriod"/>
+            </a:pPr>
+            <a:endParaRPr lang="en-US" sz="2400" dirty="0"/>
+          </a:p>
+        </p:txBody>
+      </p:sp>
+      <p:sp>
+        <p:nvSpPr>
+          <p:cNvPr id="7" name="Title 1">
+            <a:extLst>
+              <a:ext uri="{FF2B5EF4-FFF2-40B4-BE49-F238E27FC236}">
+                <a16:creationId xmlns:a16="http://schemas.microsoft.com/office/drawing/2014/main" id="{35DD1F73-25CC-194E-B4C9-CE96B047F530}"/>
+              </a:ext>
+            </a:extLst>
+          </p:cNvPr>
+          <p:cNvSpPr>
+            <a:spLocks noGrp="1"/>
+          </p:cNvSpPr>
+          <p:nvPr>
+            <p:ph type="title"/>
+          </p:nvPr>
+        </p:nvSpPr>
+        <p:spPr>
+          <a:xfrm>
+            <a:off x="581024" y="1"/>
+            <a:ext cx="10977563" cy="1162054"/>
+          </a:xfrm>
+        </p:spPr>
+        <p:txBody>
+          <a:bodyPr>
+            <a:normAutofit/>
+          </a:bodyPr>
+          <a:lstStyle/>
+          <a:p>
+            <a:r>
+              <a:rPr lang="en-US" sz="3600" b="1" dirty="0">
+                <a:solidFill>
+                  <a:schemeClr val="accent1">
+                    <a:lumMod val="75000"/>
+                  </a:schemeClr>
+                </a:solidFill>
+              </a:rPr>
+              <a:t>Housing Prices</a:t>
+            </a:r>
+            <a:br>
+              <a:rPr lang="en-US" b="1" dirty="0">
+                <a:solidFill>
+                  <a:schemeClr val="accent1">
+                    <a:lumMod val="75000"/>
+                  </a:schemeClr>
+                </a:solidFill>
+              </a:rPr>
+            </a:br>
+            <a:r>
+              <a:rPr lang="en-US" sz="2800" dirty="0">
+                <a:solidFill>
+                  <a:schemeClr val="tx1">
+                    <a:lumMod val="85000"/>
+                    <a:lumOff val="15000"/>
+                  </a:schemeClr>
+                </a:solidFill>
+              </a:rPr>
+              <a:t>EXECUTIVE SUMMARY</a:t>
+            </a:r>
+            <a:endParaRPr lang="en-US" dirty="0">
+              <a:solidFill>
+                <a:schemeClr val="tx1">
+                  <a:lumMod val="85000"/>
+                  <a:lumOff val="15000"/>
+                </a:schemeClr>
+              </a:solidFill>
+            </a:endParaRPr>
+          </a:p>
+        </p:txBody>
+      </p:sp>
+      <p:sp>
+        <p:nvSpPr>
+          <p:cNvPr id="8" name="Pentagon 7">
+            <a:extLst>
+              <a:ext uri="{FF2B5EF4-FFF2-40B4-BE49-F238E27FC236}">
+                <a16:creationId xmlns:a16="http://schemas.microsoft.com/office/drawing/2014/main" id="{CE1EB809-C4D4-8447-8490-B5F51308140A}"/>
+              </a:ext>
+            </a:extLst>
+          </p:cNvPr>
+          <p:cNvSpPr/>
+          <p:nvPr/>
+        </p:nvSpPr>
+        <p:spPr>
+          <a:xfrm>
+            <a:off x="323850" y="1482721"/>
+            <a:ext cx="2362200" cy="1603376"/>
+          </a:xfrm>
+          <a:prstGeom prst="homePlate">
+            <a:avLst>
+              <a:gd name="adj" fmla="val 29620"/>
+            </a:avLst>
+          </a:prstGeom>
+          <a:solidFill>
+            <a:schemeClr val="accent1">
+              <a:lumMod val="75000"/>
+            </a:schemeClr>
+          </a:solidFill>
+          <a:ln>
+            <a:noFill/>
+          </a:ln>
+        </p:spPr>
+        <p:style>
+          <a:lnRef idx="2">
+            <a:schemeClr val="accent1">
+              <a:shade val="50000"/>
+            </a:schemeClr>
+          </a:lnRef>
+          <a:fillRef idx="1">
+            <a:schemeClr val="accent1"/>
+          </a:fillRef>
+          <a:effectRef idx="0">
+            <a:schemeClr val="accent1"/>
+          </a:effectRef>
+          <a:fontRef idx="minor">
+            <a:schemeClr val="lt1"/>
+          </a:fontRef>
+        </p:style>
+        <p:txBody>
+          <a:bodyPr rtlCol="0" anchor="ctr"/>
+          <a:lstStyle/>
+          <a:p>
+            <a:pPr algn="ctr"/>
+            <a:r>
+              <a:rPr lang="en-US" sz="2400" b="1" dirty="0">
+                <a:latin typeface="Century Gothic" panose="020B0502020202020204" pitchFamily="34" charset="0"/>
+              </a:rPr>
+              <a:t>Objective</a:t>
+            </a:r>
+          </a:p>
+        </p:txBody>
+      </p:sp>
+      <p:sp>
+        <p:nvSpPr>
+          <p:cNvPr id="9" name="Content Placeholder 2">
+            <a:extLst>
+              <a:ext uri="{FF2B5EF4-FFF2-40B4-BE49-F238E27FC236}">
+                <a16:creationId xmlns:a16="http://schemas.microsoft.com/office/drawing/2014/main" id="{7888179F-3ED7-9F4C-87CB-F0B040462913}"/>
+              </a:ext>
+            </a:extLst>
+          </p:cNvPr>
+          <p:cNvSpPr txBox="1">
+            <a:spLocks/>
+          </p:cNvSpPr>
+          <p:nvPr/>
+        </p:nvSpPr>
+        <p:spPr>
+          <a:xfrm>
+            <a:off x="838200" y="3228976"/>
+            <a:ext cx="10515600" cy="3486144"/>
+          </a:xfrm>
+          <a:prstGeom prst="rect">
+            <a:avLst/>
+          </a:prstGeom>
+        </p:spPr>
+        <p:txBody>
+          <a:bodyPr vert="horz" lIns="91440" tIns="45720" rIns="91440" bIns="45720" rtlCol="0">
+            <a:normAutofit lnSpcReduction="10000"/>
+          </a:bodyPr>
+          <a:lstStyle>
+            <a:lvl1pPr marL="228600" indent="-228600" algn="l" defTabSz="914400" rtl="0" eaLnBrk="1" latinLnBrk="0" hangingPunct="1">
+              <a:lnSpc>
+                <a:spcPct val="90000"/>
+              </a:lnSpc>
+              <a:spcBef>
+                <a:spcPts val="1000"/>
+              </a:spcBef>
+              <a:buFont typeface="Arial" panose="020B0604020202020204" pitchFamily="34" charset="0"/>
+              <a:buChar char="•"/>
+              <a:defRPr sz="2800" kern="1200">
+                <a:solidFill>
+                  <a:schemeClr val="tx1"/>
+                </a:solidFill>
+                <a:latin typeface="Century Gothic" panose="020B0502020202020204" pitchFamily="34" charset="0"/>
+                <a:ea typeface="+mn-ea"/>
+                <a:cs typeface="+mn-cs"/>
+              </a:defRPr>
+            </a:lvl1pPr>
+            <a:lvl2pPr marL="685800" indent="-228600" algn="l" defTabSz="914400" rtl="0" eaLnBrk="1" latinLnBrk="0" hangingPunct="1">
+              <a:lnSpc>
+                <a:spcPct val="90000"/>
+              </a:lnSpc>
+              <a:spcBef>
+                <a:spcPts val="500"/>
+              </a:spcBef>
+              <a:buFont typeface="Arial" panose="020B0604020202020204" pitchFamily="34" charset="0"/>
+              <a:buChar char="•"/>
+              <a:defRPr sz="2400" kern="1200">
+                <a:solidFill>
+                  <a:schemeClr val="tx1"/>
+                </a:solidFill>
+                <a:latin typeface="Century Gothic" panose="020B0502020202020204" pitchFamily="34" charset="0"/>
+                <a:ea typeface="+mn-ea"/>
+                <a:cs typeface="+mn-cs"/>
+              </a:defRPr>
+            </a:lvl2pPr>
+            <a:lvl3pPr marL="1143000" indent="-228600" algn="l" defTabSz="914400" rtl="0" eaLnBrk="1" latinLnBrk="0" hangingPunct="1">
+              <a:lnSpc>
+                <a:spcPct val="90000"/>
+              </a:lnSpc>
+              <a:spcBef>
+                <a:spcPts val="500"/>
+              </a:spcBef>
+              <a:buFont typeface="Arial" panose="020B0604020202020204" pitchFamily="34" charset="0"/>
+              <a:buChar char="•"/>
+              <a:defRPr sz="2000" kern="1200">
+                <a:solidFill>
+                  <a:schemeClr val="tx1"/>
+                </a:solidFill>
+                <a:latin typeface="Century Gothic" panose="020B0502020202020204" pitchFamily="34" charset="0"/>
+                <a:ea typeface="+mn-ea"/>
+                <a:cs typeface="+mn-cs"/>
+              </a:defRPr>
+            </a:lvl3pPr>
+            <a:lvl4pPr marL="1600200" indent="-228600" algn="l" defTabSz="914400" rtl="0" eaLnBrk="1" latinLnBrk="0" hangingPunct="1">
+              <a:lnSpc>
+                <a:spcPct val="90000"/>
+              </a:lnSpc>
+              <a:spcBef>
+                <a:spcPts val="500"/>
+              </a:spcBef>
+              <a:buFont typeface="Arial" panose="020B0604020202020204" pitchFamily="34" charset="0"/>
+              <a:buChar char="•"/>
+              <a:defRPr sz="1800" kern="1200">
+                <a:solidFill>
+                  <a:schemeClr val="tx1"/>
+                </a:solidFill>
+                <a:latin typeface="Century Gothic" panose="020B0502020202020204" pitchFamily="34" charset="0"/>
+                <a:ea typeface="+mn-ea"/>
+                <a:cs typeface="+mn-cs"/>
+              </a:defRPr>
+            </a:lvl4pPr>
+            <a:lvl5pPr marL="2057400" indent="-228600" algn="l" defTabSz="914400" rtl="0" eaLnBrk="1" latinLnBrk="0" hangingPunct="1">
+              <a:lnSpc>
+                <a:spcPct val="90000"/>
+              </a:lnSpc>
+              <a:spcBef>
+                <a:spcPts val="500"/>
+              </a:spcBef>
+              <a:buFont typeface="Arial" panose="020B0604020202020204" pitchFamily="34" charset="0"/>
+              <a:buChar char="•"/>
+              <a:defRPr sz="1800" kern="1200">
+                <a:solidFill>
+                  <a:schemeClr val="tx1"/>
+                </a:solidFill>
+                <a:latin typeface="Century Gothic" panose="020B0502020202020204" pitchFamily="34" charset="0"/>
+                <a:ea typeface="+mn-ea"/>
+                <a:cs typeface="+mn-cs"/>
+              </a:defRPr>
+            </a:lvl5pPr>
+            <a:lvl6pPr marL="2514600" indent="-228600" algn="l" defTabSz="914400" rtl="0" eaLnBrk="1" latinLnBrk="0" hangingPunct="1">
+              <a:lnSpc>
+                <a:spcPct val="90000"/>
+              </a:lnSpc>
+              <a:spcBef>
+                <a:spcPts val="500"/>
+              </a:spcBef>
+              <a:buFont typeface="Arial" panose="020B0604020202020204" pitchFamily="34" charset="0"/>
+              <a:buChar char="•"/>
+              <a:defRPr sz="1800" kern="1200">
+                <a:solidFill>
+                  <a:schemeClr val="tx1"/>
+                </a:solidFill>
+                <a:latin typeface="+mn-lt"/>
+                <a:ea typeface="+mn-ea"/>
+                <a:cs typeface="+mn-cs"/>
+              </a:defRPr>
+            </a:lvl6pPr>
+            <a:lvl7pPr marL="2971800" indent="-228600" algn="l" defTabSz="914400" rtl="0" eaLnBrk="1" latinLnBrk="0" hangingPunct="1">
+              <a:lnSpc>
+                <a:spcPct val="90000"/>
+              </a:lnSpc>
+              <a:spcBef>
+                <a:spcPts val="500"/>
+              </a:spcBef>
+              <a:buFont typeface="Arial" panose="020B0604020202020204" pitchFamily="34" charset="0"/>
+              <a:buChar char="•"/>
+              <a:defRPr sz="1800" kern="1200">
+                <a:solidFill>
+                  <a:schemeClr val="tx1"/>
+                </a:solidFill>
+                <a:latin typeface="+mn-lt"/>
+                <a:ea typeface="+mn-ea"/>
+                <a:cs typeface="+mn-cs"/>
+              </a:defRPr>
+            </a:lvl7pPr>
+            <a:lvl8pPr marL="3429000" indent="-228600" algn="l" defTabSz="914400" rtl="0" eaLnBrk="1" latinLnBrk="0" hangingPunct="1">
+              <a:lnSpc>
+                <a:spcPct val="90000"/>
+              </a:lnSpc>
+              <a:spcBef>
+                <a:spcPts val="500"/>
+              </a:spcBef>
+              <a:buFont typeface="Arial" panose="020B0604020202020204" pitchFamily="34" charset="0"/>
+              <a:buChar char="•"/>
+              <a:defRPr sz="1800" kern="1200">
+                <a:solidFill>
+                  <a:schemeClr val="tx1"/>
+                </a:solidFill>
+                <a:latin typeface="+mn-lt"/>
+                <a:ea typeface="+mn-ea"/>
+                <a:cs typeface="+mn-cs"/>
+              </a:defRPr>
+            </a:lvl8pPr>
+            <a:lvl9pPr marL="3886200" indent="-228600" algn="l" defTabSz="914400" rtl="0" eaLnBrk="1" latinLnBrk="0" hangingPunct="1">
+              <a:lnSpc>
+                <a:spcPct val="90000"/>
+              </a:lnSpc>
+              <a:spcBef>
+                <a:spcPts val="500"/>
+              </a:spcBef>
+              <a:buFont typeface="Arial" panose="020B0604020202020204" pitchFamily="34" charset="0"/>
+              <a:buChar char="•"/>
+              <a:defRPr sz="1800" kern="1200">
+                <a:solidFill>
+                  <a:schemeClr val="tx1"/>
+                </a:solidFill>
+                <a:latin typeface="+mn-lt"/>
+                <a:ea typeface="+mn-ea"/>
+                <a:cs typeface="+mn-cs"/>
+              </a:defRPr>
+            </a:lvl9pPr>
+          </a:lstStyle>
+          <a:p>
+            <a:pPr marL="0" indent="0">
+              <a:buFont typeface="Arial" panose="020B0604020202020204" pitchFamily="34" charset="0"/>
+              <a:buNone/>
+            </a:pPr>
+            <a:r>
+              <a:rPr lang="en-US" sz="1800" u="sng" dirty="0"/>
+              <a:t>Source Data</a:t>
+            </a:r>
+          </a:p>
+          <a:p>
+            <a:pPr lvl="1"/>
+            <a:r>
+              <a:rPr lang="en-US" sz="1800" dirty="0"/>
+              <a:t>Data imported from FRED – Federal Reserve Bank of St. Louis</a:t>
+            </a:r>
+          </a:p>
+          <a:p>
+            <a:pPr lvl="1"/>
+            <a:r>
+              <a:rPr lang="en-US" sz="1800" dirty="0"/>
+              <a:t>Pulled United States average housing prices by Quarter from January 1, 1975 through October 1, 2018</a:t>
+            </a:r>
+          </a:p>
+          <a:p>
+            <a:pPr lvl="1"/>
+            <a:r>
+              <a:rPr lang="en-US" sz="1800" dirty="0"/>
+              <a:t>Pulled regional housing prices (Northeast, South, Midwest, West) by Quarter over the same time period</a:t>
+            </a:r>
+          </a:p>
+          <a:p>
+            <a:pPr marL="0" indent="0">
+              <a:buFont typeface="Arial" panose="020B0604020202020204" pitchFamily="34" charset="0"/>
+              <a:buNone/>
+            </a:pPr>
+            <a:r>
+              <a:rPr lang="en-US" sz="1800" u="sng" dirty="0"/>
+              <a:t>Summary of House Price Analysis</a:t>
+            </a:r>
+          </a:p>
+          <a:p>
+            <a:pPr lvl="1"/>
+            <a:r>
+              <a:rPr lang="en-US" sz="1800" dirty="0"/>
+              <a:t>Trend charts for price over time by region</a:t>
+            </a:r>
+          </a:p>
+          <a:p>
+            <a:pPr lvl="1"/>
+            <a:r>
+              <a:rPr lang="en-US" sz="1800" dirty="0"/>
+              <a:t>Variance analysis between regions</a:t>
+            </a:r>
+          </a:p>
+          <a:p>
+            <a:pPr lvl="1"/>
+            <a:r>
+              <a:rPr lang="en-US" sz="1800" dirty="0"/>
+              <a:t>Calculated percent change Quarter over Quarter</a:t>
+            </a:r>
+          </a:p>
+          <a:p>
+            <a:pPr lvl="1"/>
+            <a:r>
+              <a:rPr lang="en-US" sz="1800" dirty="0"/>
+              <a:t>Normalized Data by removing the average change over the entire timespan for each region</a:t>
+            </a:r>
+          </a:p>
+        </p:txBody>
+      </p:sp>
+    </p:spTree>
+    <p:extLst>
+      <p:ext uri="{BB962C8B-B14F-4D97-AF65-F5344CB8AC3E}">
+        <p14:creationId xmlns:p14="http://schemas.microsoft.com/office/powerpoint/2010/main" val="2592385461"/>
+      </p:ext>
+    </p:extLst>
+  </p:cSld>
+  <p:clrMapOvr>
+    <a:masterClrMapping/>
+  </p:clrMapOvr>
+</p:sld>
+</file>
+
+<file path=ppt/slides/slide5.xml><?xml version="1.0" encoding="utf-8"?>
+<p:sld xmlns:a="http://schemas.openxmlformats.org/drawingml/2006/main" xmlns:r="http://schemas.openxmlformats.org/officeDocument/2006/relationships" xmlns:p="http://schemas.openxmlformats.org/presentationml/2006/main">
+  <p:cSld>
+    <p:spTree>
+      <p:nvGrpSpPr>
+        <p:cNvPr id="1" name=""/>
+        <p:cNvGrpSpPr/>
+        <p:nvPr/>
+      </p:nvGrpSpPr>
+      <p:grpSpPr>
+        <a:xfrm>
+          <a:off x="0" y="0"/>
+          <a:ext cx="0" cy="0"/>
+          <a:chOff x="0" y="0"/>
+          <a:chExt cx="0" cy="0"/>
+        </a:xfrm>
+      </p:grpSpPr>
+      <p:pic>
+        <p:nvPicPr>
+          <p:cNvPr id="5" name="Content Placeholder 4">
+            <a:extLst>
+              <a:ext uri="{FF2B5EF4-FFF2-40B4-BE49-F238E27FC236}">
+                <a16:creationId xmlns:a16="http://schemas.microsoft.com/office/drawing/2014/main" id="{0A5DEC38-DE09-A24B-A260-ED4CD4B84090}"/>
+              </a:ext>
+            </a:extLst>
+          </p:cNvPr>
+          <p:cNvPicPr>
+            <a:picLocks noGrp="1" noChangeAspect="1"/>
+          </p:cNvPicPr>
+          <p:nvPr>
+            <p:ph idx="1"/>
+          </p:nvPr>
+        </p:nvPicPr>
+        <p:blipFill>
+          <a:blip r:embed="rId2"/>
+          <a:stretch>
+            <a:fillRect/>
+          </a:stretch>
+        </p:blipFill>
+        <p:spPr>
+          <a:xfrm>
+            <a:off x="571500" y="1402492"/>
+            <a:ext cx="10821068" cy="5090384"/>
+          </a:xfrm>
+        </p:spPr>
+      </p:pic>
+      <p:pic>
+        <p:nvPicPr>
+          <p:cNvPr id="9" name="Picture 8">
+            <a:extLst>
+              <a:ext uri="{FF2B5EF4-FFF2-40B4-BE49-F238E27FC236}">
+                <a16:creationId xmlns:a16="http://schemas.microsoft.com/office/drawing/2014/main" id="{90D0F7B6-DAF9-B24B-919C-A92A71338D81}"/>
+              </a:ext>
+            </a:extLst>
+          </p:cNvPr>
+          <p:cNvPicPr>
+            <a:picLocks noChangeAspect="1"/>
+          </p:cNvPicPr>
+          <p:nvPr/>
+        </p:nvPicPr>
+        <p:blipFill>
+          <a:blip r:embed="rId3"/>
+          <a:stretch>
+            <a:fillRect/>
+          </a:stretch>
+        </p:blipFill>
+        <p:spPr>
+          <a:xfrm>
+            <a:off x="671516" y="1288188"/>
+            <a:ext cx="10821068" cy="5340408"/>
+          </a:xfrm>
+          <a:prstGeom prst="rect">
+            <a:avLst/>
+          </a:prstGeom>
+        </p:spPr>
+      </p:pic>
+      <p:sp>
+        <p:nvSpPr>
+          <p:cNvPr id="15" name="Title 1">
+            <a:extLst>
+              <a:ext uri="{FF2B5EF4-FFF2-40B4-BE49-F238E27FC236}">
+                <a16:creationId xmlns:a16="http://schemas.microsoft.com/office/drawing/2014/main" id="{EF7F1498-CFCD-854F-983E-43F5237CE3C0}"/>
+              </a:ext>
+            </a:extLst>
+          </p:cNvPr>
+          <p:cNvSpPr>
+            <a:spLocks noGrp="1"/>
+          </p:cNvSpPr>
+          <p:nvPr>
+            <p:ph type="title"/>
+          </p:nvPr>
+        </p:nvSpPr>
+        <p:spPr>
+          <a:xfrm>
+            <a:off x="581024" y="1"/>
+            <a:ext cx="10977563" cy="1162054"/>
+          </a:xfrm>
+        </p:spPr>
+        <p:txBody>
+          <a:bodyPr>
+            <a:normAutofit/>
+          </a:bodyPr>
+          <a:lstStyle/>
+          <a:p>
+            <a:r>
+              <a:rPr lang="en-US" sz="3600" b="1" dirty="0">
+                <a:solidFill>
+                  <a:schemeClr val="accent1">
+                    <a:lumMod val="75000"/>
+                  </a:schemeClr>
+                </a:solidFill>
+              </a:rPr>
+              <a:t>Housing Prices</a:t>
+            </a:r>
+            <a:br>
+              <a:rPr lang="en-US" b="1" dirty="0">
+                <a:solidFill>
+                  <a:schemeClr val="accent1">
+                    <a:lumMod val="75000"/>
+                  </a:schemeClr>
+                </a:solidFill>
+              </a:rPr>
+            </a:br>
+            <a:r>
+              <a:rPr lang="en-US" sz="2800" dirty="0">
+                <a:solidFill>
+                  <a:schemeClr val="tx1">
+                    <a:lumMod val="85000"/>
+                    <a:lumOff val="15000"/>
+                  </a:schemeClr>
+                </a:solidFill>
+              </a:rPr>
+              <a:t>NATIONAL - 40 YEAR TREND</a:t>
+            </a:r>
+            <a:endParaRPr lang="en-US" dirty="0">
+              <a:solidFill>
+                <a:schemeClr val="tx1">
+                  <a:lumMod val="85000"/>
+                  <a:lumOff val="15000"/>
+                </a:schemeClr>
+              </a:solidFill>
+            </a:endParaRPr>
+          </a:p>
+        </p:txBody>
+      </p:sp>
+    </p:spTree>
+    <p:extLst>
+      <p:ext uri="{BB962C8B-B14F-4D97-AF65-F5344CB8AC3E}">
+        <p14:creationId xmlns:p14="http://schemas.microsoft.com/office/powerpoint/2010/main" val="3236601445"/>
+      </p:ext>
+    </p:extLst>
+  </p:cSld>
+  <p:clrMapOvr>
+    <a:masterClrMapping/>
+  </p:clrMapOvr>
+</p:sld>
+</file>
+
+<file path=ppt/slides/slide6.xml><?xml version="1.0" encoding="utf-8"?>
+<p:sld xmlns:a="http://schemas.openxmlformats.org/drawingml/2006/main" xmlns:r="http://schemas.openxmlformats.org/officeDocument/2006/relationships" xmlns:p="http://schemas.openxmlformats.org/presentationml/2006/main">
+  <p:cSld>
+    <p:spTree>
+      <p:nvGrpSpPr>
+        <p:cNvPr id="1" name=""/>
+        <p:cNvGrpSpPr/>
+        <p:nvPr/>
+      </p:nvGrpSpPr>
+      <p:grpSpPr>
+        <a:xfrm>
+          <a:off x="0" y="0"/>
+          <a:ext cx="0" cy="0"/>
+          <a:chOff x="0" y="0"/>
+          <a:chExt cx="0" cy="0"/>
+        </a:xfrm>
+      </p:grpSpPr>
+      <p:pic>
+        <p:nvPicPr>
+          <p:cNvPr id="5" name="Content Placeholder 4">
+            <a:extLst>
+              <a:ext uri="{FF2B5EF4-FFF2-40B4-BE49-F238E27FC236}">
+                <a16:creationId xmlns:a16="http://schemas.microsoft.com/office/drawing/2014/main" id="{0A5DEC38-DE09-A24B-A260-ED4CD4B84090}"/>
+              </a:ext>
+            </a:extLst>
+          </p:cNvPr>
+          <p:cNvPicPr>
+            <a:picLocks noGrp="1" noChangeAspect="1"/>
+          </p:cNvPicPr>
+          <p:nvPr>
+            <p:ph idx="1"/>
+          </p:nvPr>
+        </p:nvPicPr>
+        <p:blipFill>
+          <a:blip r:embed="rId2"/>
+          <a:stretch>
+            <a:fillRect/>
+          </a:stretch>
+        </p:blipFill>
+        <p:spPr>
+          <a:xfrm>
+            <a:off x="52799" y="1515634"/>
+            <a:ext cx="8532119" cy="4013630"/>
+          </a:xfrm>
+        </p:spPr>
+      </p:pic>
+      <p:sp>
+        <p:nvSpPr>
+          <p:cNvPr id="3" name="TextBox 2">
+            <a:extLst>
+              <a:ext uri="{FF2B5EF4-FFF2-40B4-BE49-F238E27FC236}">
+                <a16:creationId xmlns:a16="http://schemas.microsoft.com/office/drawing/2014/main" id="{716E915D-B2C4-B743-A276-7E083105961E}"/>
+              </a:ext>
+            </a:extLst>
+          </p:cNvPr>
+          <p:cNvSpPr txBox="1"/>
+          <p:nvPr/>
+        </p:nvSpPr>
+        <p:spPr>
+          <a:xfrm>
+            <a:off x="8686801" y="2330485"/>
+            <a:ext cx="3176586" cy="1200329"/>
+          </a:xfrm>
+          <a:prstGeom prst="rect">
+            <a:avLst/>
+          </a:prstGeom>
+          <a:solidFill>
+            <a:schemeClr val="tx2">
+              <a:lumMod val="20000"/>
+              <a:lumOff val="80000"/>
+            </a:schemeClr>
+          </a:solidFill>
+        </p:spPr>
+        <p:txBody>
+          <a:bodyPr wrap="square" rtlCol="0">
+            <a:spAutoFit/>
+          </a:bodyPr>
+          <a:lstStyle/>
+          <a:p>
+            <a:pPr marL="285750" indent="-285750">
+              <a:buFont typeface="Arial" panose="020B0604020202020204" pitchFamily="34" charset="0"/>
+              <a:buChar char="•"/>
+            </a:pPr>
+            <a:r>
+              <a:rPr lang="en-US" dirty="0"/>
+              <a:t>ANOVA statistics indicates a significant difference of variances of at least 1 of the subsets</a:t>
+            </a:r>
+          </a:p>
+        </p:txBody>
+      </p:sp>
+      <p:pic>
+        <p:nvPicPr>
+          <p:cNvPr id="6" name="Picture 5">
+            <a:extLst>
+              <a:ext uri="{FF2B5EF4-FFF2-40B4-BE49-F238E27FC236}">
+                <a16:creationId xmlns:a16="http://schemas.microsoft.com/office/drawing/2014/main" id="{990D6374-B086-D94C-968A-1095D9FC5A98}"/>
+              </a:ext>
+            </a:extLst>
+          </p:cNvPr>
+          <p:cNvPicPr>
+            <a:picLocks noChangeAspect="1"/>
+          </p:cNvPicPr>
+          <p:nvPr/>
+        </p:nvPicPr>
+        <p:blipFill>
+          <a:blip r:embed="rId3"/>
+          <a:stretch>
+            <a:fillRect/>
+          </a:stretch>
+        </p:blipFill>
+        <p:spPr>
+          <a:xfrm>
+            <a:off x="1663700" y="5882843"/>
+            <a:ext cx="8864600" cy="279400"/>
+          </a:xfrm>
+          <a:prstGeom prst="rect">
+            <a:avLst/>
+          </a:prstGeom>
+        </p:spPr>
+      </p:pic>
+      <p:sp>
+        <p:nvSpPr>
+          <p:cNvPr id="8" name="Title 1">
+            <a:extLst>
+              <a:ext uri="{FF2B5EF4-FFF2-40B4-BE49-F238E27FC236}">
+                <a16:creationId xmlns:a16="http://schemas.microsoft.com/office/drawing/2014/main" id="{E0A378B6-E678-0F46-9C20-806F4541D39F}"/>
+              </a:ext>
+            </a:extLst>
+          </p:cNvPr>
+          <p:cNvSpPr>
+            <a:spLocks noGrp="1"/>
+          </p:cNvSpPr>
+          <p:nvPr>
+            <p:ph type="title"/>
+          </p:nvPr>
+        </p:nvSpPr>
+        <p:spPr>
+          <a:xfrm>
+            <a:off x="581024" y="1"/>
+            <a:ext cx="10977563" cy="1162054"/>
+          </a:xfrm>
+        </p:spPr>
+        <p:txBody>
+          <a:bodyPr>
+            <a:normAutofit/>
+          </a:bodyPr>
+          <a:lstStyle/>
+          <a:p>
+            <a:r>
+              <a:rPr lang="en-US" sz="3600" b="1" dirty="0">
+                <a:solidFill>
+                  <a:schemeClr val="accent1">
+                    <a:lumMod val="75000"/>
+                  </a:schemeClr>
+                </a:solidFill>
+              </a:rPr>
+              <a:t>Housing Prices</a:t>
+            </a:r>
+            <a:br>
+              <a:rPr lang="en-US" b="1" dirty="0">
+                <a:solidFill>
+                  <a:schemeClr val="accent1">
+                    <a:lumMod val="75000"/>
+                  </a:schemeClr>
+                </a:solidFill>
+              </a:rPr>
+            </a:br>
+            <a:r>
+              <a:rPr lang="en-US" sz="2800" dirty="0">
+                <a:solidFill>
+                  <a:schemeClr val="tx1">
+                    <a:lumMod val="85000"/>
+                    <a:lumOff val="15000"/>
+                  </a:schemeClr>
+                </a:solidFill>
+              </a:rPr>
+              <a:t>REGIONAL - 40 YEAR TREND</a:t>
+            </a:r>
+            <a:endParaRPr lang="en-US" dirty="0">
+              <a:solidFill>
+                <a:schemeClr val="tx1">
+                  <a:lumMod val="85000"/>
+                  <a:lumOff val="15000"/>
+                </a:schemeClr>
+              </a:solidFill>
+            </a:endParaRPr>
+          </a:p>
+        </p:txBody>
+      </p:sp>
+    </p:spTree>
+    <p:extLst>
+      <p:ext uri="{BB962C8B-B14F-4D97-AF65-F5344CB8AC3E}">
+        <p14:creationId xmlns:p14="http://schemas.microsoft.com/office/powerpoint/2010/main" val="4268033193"/>
+      </p:ext>
+    </p:extLst>
+  </p:cSld>
+  <p:clrMapOvr>
+    <a:masterClrMapping/>
+  </p:clrMapOvr>
+</p:sld>
+</file>
+
+<file path=ppt/slides/slide7.xml><?xml version="1.0" encoding="utf-8"?>
+<p:sld xmlns:a="http://schemas.openxmlformats.org/drawingml/2006/main" xmlns:r="http://schemas.openxmlformats.org/officeDocument/2006/relationships" xmlns:p="http://schemas.openxmlformats.org/presentationml/2006/main">
+  <p:cSld>
+    <p:spTree>
+      <p:nvGrpSpPr>
+        <p:cNvPr id="1" name=""/>
+        <p:cNvGrpSpPr/>
+        <p:nvPr/>
+      </p:nvGrpSpPr>
+      <p:grpSpPr>
+        <a:xfrm>
+          <a:off x="0" y="0"/>
+          <a:ext cx="0" cy="0"/>
+          <a:chOff x="0" y="0"/>
+          <a:chExt cx="0" cy="0"/>
+        </a:xfrm>
+      </p:grpSpPr>
+      <p:sp>
+        <p:nvSpPr>
+          <p:cNvPr id="3" name="TextBox 2">
+            <a:extLst>
+              <a:ext uri="{FF2B5EF4-FFF2-40B4-BE49-F238E27FC236}">
+                <a16:creationId xmlns:a16="http://schemas.microsoft.com/office/drawing/2014/main" id="{716E915D-B2C4-B743-A276-7E083105961E}"/>
+              </a:ext>
+            </a:extLst>
+          </p:cNvPr>
+          <p:cNvSpPr txBox="1"/>
+          <p:nvPr/>
+        </p:nvSpPr>
+        <p:spPr>
+          <a:xfrm>
+            <a:off x="8572501" y="2228671"/>
+            <a:ext cx="3176586" cy="1200329"/>
+          </a:xfrm>
+          <a:prstGeom prst="rect">
+            <a:avLst/>
+          </a:prstGeom>
+          <a:solidFill>
+            <a:schemeClr val="tx2">
+              <a:lumMod val="20000"/>
+              <a:lumOff val="80000"/>
+            </a:schemeClr>
+          </a:solidFill>
+        </p:spPr>
+        <p:txBody>
+          <a:bodyPr wrap="square" rtlCol="0">
+            <a:spAutoFit/>
+          </a:bodyPr>
+          <a:lstStyle/>
+          <a:p>
+            <a:pPr marL="285750" indent="-285750">
+              <a:buFont typeface="Arial" panose="020B0604020202020204" pitchFamily="34" charset="0"/>
+              <a:buChar char="•"/>
+            </a:pPr>
+            <a:r>
+              <a:rPr lang="en-US" dirty="0"/>
+              <a:t>Further analysis reveals that only the South and Midwest regions have similar variances</a:t>
+            </a:r>
+          </a:p>
+        </p:txBody>
+      </p:sp>
+      <p:pic>
+        <p:nvPicPr>
+          <p:cNvPr id="8" name="Picture 7">
+            <a:extLst>
+              <a:ext uri="{FF2B5EF4-FFF2-40B4-BE49-F238E27FC236}">
+                <a16:creationId xmlns:a16="http://schemas.microsoft.com/office/drawing/2014/main" id="{84B53D1D-CEE8-3144-8033-41035D5C8842}"/>
+              </a:ext>
+            </a:extLst>
+          </p:cNvPr>
+          <p:cNvPicPr>
+            <a:picLocks noChangeAspect="1"/>
+          </p:cNvPicPr>
+          <p:nvPr/>
+        </p:nvPicPr>
+        <p:blipFill>
+          <a:blip r:embed="rId2"/>
+          <a:stretch>
+            <a:fillRect/>
+          </a:stretch>
+        </p:blipFill>
+        <p:spPr>
+          <a:xfrm>
+            <a:off x="838200" y="6278008"/>
+            <a:ext cx="8699500" cy="317500"/>
+          </a:xfrm>
+          <a:prstGeom prst="rect">
+            <a:avLst/>
+          </a:prstGeom>
+        </p:spPr>
+      </p:pic>
+      <p:sp>
+        <p:nvSpPr>
+          <p:cNvPr id="9" name="TextBox 8">
+            <a:extLst>
+              <a:ext uri="{FF2B5EF4-FFF2-40B4-BE49-F238E27FC236}">
+                <a16:creationId xmlns:a16="http://schemas.microsoft.com/office/drawing/2014/main" id="{CE0B33D8-9F68-8443-8D37-1BD9E138F01A}"/>
+              </a:ext>
+            </a:extLst>
+          </p:cNvPr>
+          <p:cNvSpPr txBox="1"/>
+          <p:nvPr/>
+        </p:nvSpPr>
+        <p:spPr>
+          <a:xfrm>
+            <a:off x="658813" y="5070898"/>
+            <a:ext cx="7913688" cy="1200329"/>
+          </a:xfrm>
+          <a:prstGeom prst="rect">
+            <a:avLst/>
+          </a:prstGeom>
+          <a:noFill/>
+        </p:spPr>
+        <p:txBody>
+          <a:bodyPr wrap="square" rtlCol="0">
+            <a:spAutoFit/>
+          </a:bodyPr>
+          <a:lstStyle/>
+          <a:p>
+            <a:r>
+              <a:rPr lang="en-US" dirty="0"/>
+              <a:t>All Regions</a:t>
+            </a:r>
+          </a:p>
+          <a:p>
+            <a:endParaRPr lang="en-US" dirty="0"/>
+          </a:p>
+          <a:p>
+            <a:endParaRPr lang="en-US" dirty="0"/>
+          </a:p>
+          <a:p>
+            <a:r>
+              <a:rPr lang="en-US" dirty="0"/>
+              <a:t>South &amp; Midwest Regions </a:t>
+            </a:r>
+          </a:p>
+        </p:txBody>
+      </p:sp>
+      <p:pic>
+        <p:nvPicPr>
+          <p:cNvPr id="13" name="Picture 12">
+            <a:extLst>
+              <a:ext uri="{FF2B5EF4-FFF2-40B4-BE49-F238E27FC236}">
+                <a16:creationId xmlns:a16="http://schemas.microsoft.com/office/drawing/2014/main" id="{0BE58144-B008-0A45-8FAF-C435C846DF61}"/>
+              </a:ext>
+            </a:extLst>
+          </p:cNvPr>
+          <p:cNvPicPr>
+            <a:picLocks noChangeAspect="1"/>
+          </p:cNvPicPr>
+          <p:nvPr/>
+        </p:nvPicPr>
+        <p:blipFill>
+          <a:blip r:embed="rId3"/>
+          <a:stretch>
+            <a:fillRect/>
+          </a:stretch>
+        </p:blipFill>
+        <p:spPr>
+          <a:xfrm>
+            <a:off x="658813" y="1420632"/>
+            <a:ext cx="7752750" cy="3610349"/>
+          </a:xfrm>
+          <a:prstGeom prst="rect">
+            <a:avLst/>
+          </a:prstGeom>
+        </p:spPr>
+      </p:pic>
+      <p:pic>
+        <p:nvPicPr>
+          <p:cNvPr id="17" name="Picture 16">
+            <a:extLst>
+              <a:ext uri="{FF2B5EF4-FFF2-40B4-BE49-F238E27FC236}">
+                <a16:creationId xmlns:a16="http://schemas.microsoft.com/office/drawing/2014/main" id="{AF4D0E76-40D2-C14E-88A8-C7E974B2150D}"/>
+              </a:ext>
+            </a:extLst>
+          </p:cNvPr>
+          <p:cNvPicPr>
+            <a:picLocks noChangeAspect="1"/>
+          </p:cNvPicPr>
+          <p:nvPr/>
+        </p:nvPicPr>
+        <p:blipFill>
+          <a:blip r:embed="rId4"/>
+          <a:stretch>
+            <a:fillRect/>
+          </a:stretch>
+        </p:blipFill>
+        <p:spPr>
+          <a:xfrm>
+            <a:off x="890585" y="5499612"/>
+            <a:ext cx="8839200" cy="342900"/>
+          </a:xfrm>
+          <a:prstGeom prst="rect">
+            <a:avLst/>
+          </a:prstGeom>
+        </p:spPr>
+      </p:pic>
+      <p:sp>
+        <p:nvSpPr>
+          <p:cNvPr id="18" name="Title 1">
+            <a:extLst>
+              <a:ext uri="{FF2B5EF4-FFF2-40B4-BE49-F238E27FC236}">
+                <a16:creationId xmlns:a16="http://schemas.microsoft.com/office/drawing/2014/main" id="{F278AB86-5940-BF4E-BF26-8C5126EC842A}"/>
+              </a:ext>
+            </a:extLst>
+          </p:cNvPr>
+          <p:cNvSpPr txBox="1">
+            <a:spLocks/>
+          </p:cNvSpPr>
+          <p:nvPr/>
+        </p:nvSpPr>
+        <p:spPr>
+          <a:xfrm>
+            <a:off x="581024" y="1"/>
+            <a:ext cx="10977563" cy="1162054"/>
+          </a:xfrm>
+          <a:prstGeom prst="rect">
+            <a:avLst/>
+          </a:prstGeom>
+        </p:spPr>
+        <p:txBody>
+          <a:bodyPr vert="horz" lIns="91440" tIns="45720" rIns="91440" bIns="45720" rtlCol="0" anchor="ctr">
+            <a:normAutofit/>
+          </a:bodyPr>
+          <a:lstStyle>
+            <a:lvl1pPr algn="l" defTabSz="914400" rtl="0" eaLnBrk="1" latinLnBrk="0" hangingPunct="1">
+              <a:lnSpc>
+                <a:spcPct val="90000"/>
+              </a:lnSpc>
+              <a:spcBef>
+                <a:spcPct val="0"/>
+              </a:spcBef>
+              <a:buNone/>
+              <a:defRPr sz="3200" kern="1200">
+                <a:solidFill>
+                  <a:schemeClr val="tx1"/>
+                </a:solidFill>
+                <a:latin typeface="Century Gothic" panose="020B0502020202020204" pitchFamily="34" charset="0"/>
+                <a:ea typeface="+mj-ea"/>
+                <a:cs typeface="+mj-cs"/>
+              </a:defRPr>
+            </a:lvl1pPr>
+          </a:lstStyle>
+          <a:p>
+            <a:r>
+              <a:rPr lang="en-US" sz="3600" b="1" dirty="0">
+                <a:solidFill>
+                  <a:schemeClr val="accent1">
+                    <a:lumMod val="75000"/>
+                  </a:schemeClr>
+                </a:solidFill>
+              </a:rPr>
+              <a:t>Housing Prices</a:t>
+            </a:r>
+            <a:br>
+              <a:rPr lang="en-US" b="1" dirty="0">
+                <a:solidFill>
+                  <a:schemeClr val="accent1">
+                    <a:lumMod val="75000"/>
+                  </a:schemeClr>
+                </a:solidFill>
+              </a:rPr>
+            </a:br>
+            <a:r>
+              <a:rPr lang="en-US" sz="2800" dirty="0">
+                <a:solidFill>
+                  <a:schemeClr val="tx1">
+                    <a:lumMod val="85000"/>
+                    <a:lumOff val="15000"/>
+                  </a:schemeClr>
+                </a:solidFill>
+              </a:rPr>
+              <a:t>REGIONAL - 10 YEAR TREND</a:t>
+            </a:r>
+            <a:endParaRPr lang="en-US" dirty="0">
+              <a:solidFill>
+                <a:schemeClr val="tx1">
+                  <a:lumMod val="85000"/>
+                  <a:lumOff val="15000"/>
+                </a:schemeClr>
+              </a:solidFill>
+            </a:endParaRPr>
+          </a:p>
+        </p:txBody>
+      </p:sp>
+    </p:spTree>
+    <p:extLst>
+      <p:ext uri="{BB962C8B-B14F-4D97-AF65-F5344CB8AC3E}">
+        <p14:creationId xmlns:p14="http://schemas.microsoft.com/office/powerpoint/2010/main" val="310026538"/>
+      </p:ext>
+    </p:extLst>
+  </p:cSld>
+  <p:clrMapOvr>
+    <a:masterClrMapping/>
+  </p:clrMapOvr>
+</p:sld>
+</file>
+
+<file path=ppt/slides/slide8.xml><?xml version="1.0" encoding="utf-8"?>
+<p:sld xmlns:a="http://schemas.openxmlformats.org/drawingml/2006/main" xmlns:r="http://schemas.openxmlformats.org/officeDocument/2006/relationships" xmlns:p="http://schemas.openxmlformats.org/presentationml/2006/main">
+  <p:cSld>
+    <p:spTree>
+      <p:nvGrpSpPr>
+        <p:cNvPr id="1" name=""/>
+        <p:cNvGrpSpPr/>
+        <p:nvPr/>
+      </p:nvGrpSpPr>
+      <p:grpSpPr>
+        <a:xfrm>
+          <a:off x="0" y="0"/>
+          <a:ext cx="0" cy="0"/>
+          <a:chOff x="0" y="0"/>
+          <a:chExt cx="0" cy="0"/>
+        </a:xfrm>
+      </p:grpSpPr>
+      <p:sp>
+        <p:nvSpPr>
+          <p:cNvPr id="2" name="Title 1">
+            <a:extLst>
+              <a:ext uri="{FF2B5EF4-FFF2-40B4-BE49-F238E27FC236}">
+                <a16:creationId xmlns:a16="http://schemas.microsoft.com/office/drawing/2014/main" id="{8DF366DF-C082-554B-BE94-03AA0303703A}"/>
+              </a:ext>
+            </a:extLst>
+          </p:cNvPr>
+          <p:cNvSpPr>
+            <a:spLocks noGrp="1"/>
+          </p:cNvSpPr>
+          <p:nvPr>
+            <p:ph type="title"/>
+          </p:nvPr>
+        </p:nvSpPr>
+        <p:spPr/>
+        <p:txBody>
+          <a:bodyPr/>
+          <a:lstStyle/>
+          <a:p>
+            <a:r>
+              <a:rPr lang="en-US" dirty="0"/>
+              <a:t>Potential Housing Price Inputs</a:t>
+            </a:r>
+          </a:p>
+        </p:txBody>
+      </p:sp>
+      <p:sp>
+        <p:nvSpPr>
+          <p:cNvPr id="3" name="Content Placeholder 2">
+            <a:extLst>
+              <a:ext uri="{FF2B5EF4-FFF2-40B4-BE49-F238E27FC236}">
+                <a16:creationId xmlns:a16="http://schemas.microsoft.com/office/drawing/2014/main" id="{40E93C83-3AF6-EC44-A251-C7547CF30790}"/>
+              </a:ext>
+            </a:extLst>
+          </p:cNvPr>
+          <p:cNvSpPr>
+            <a:spLocks noGrp="1"/>
+          </p:cNvSpPr>
+          <p:nvPr>
+            <p:ph idx="1"/>
+          </p:nvPr>
+        </p:nvSpPr>
+        <p:spPr/>
+        <p:txBody>
+          <a:bodyPr/>
+          <a:lstStyle/>
+          <a:p>
+            <a:r>
+              <a:rPr lang="en-US" dirty="0"/>
+              <a:t>Fed Funds Rate</a:t>
+            </a:r>
+          </a:p>
+          <a:p>
+            <a:r>
+              <a:rPr lang="en-US" dirty="0"/>
+              <a:t>Employment Rate</a:t>
+            </a:r>
+          </a:p>
+          <a:p>
+            <a:r>
+              <a:rPr lang="en-US" dirty="0"/>
+              <a:t>Stock Indices</a:t>
+            </a:r>
+          </a:p>
+          <a:p>
+            <a:r>
+              <a:rPr lang="en-US" dirty="0"/>
+              <a:t>Monthly supply of houses (on Fred)</a:t>
+            </a:r>
+          </a:p>
+          <a:p>
+            <a:pPr lvl="1"/>
+            <a:r>
+              <a:rPr lang="en-US" dirty="0"/>
+              <a:t>Also has sales index by state</a:t>
+            </a:r>
+          </a:p>
+          <a:p>
+            <a:endParaRPr lang="en-US" dirty="0"/>
+          </a:p>
+        </p:txBody>
+      </p:sp>
+    </p:spTree>
+    <p:extLst>
+      <p:ext uri="{BB962C8B-B14F-4D97-AF65-F5344CB8AC3E}">
+        <p14:creationId xmlns:p14="http://schemas.microsoft.com/office/powerpoint/2010/main" val="2875724523"/>
       </p:ext>
     </p:extLst>
   </p:cSld>
